--- a/Presentación1.pptx
+++ b/Presentación1.pptx
@@ -111,6 +111,11 @@
       </a:defRPr>
     </a:lvl9pPr>
   </p:defaultTextStyle>
+  <p:extLst>
+    <p:ext uri="{EFAFB233-063F-42B5-8137-9DF3F51BA10A}">
+      <p15:sldGuideLst xmlns:p15="http://schemas.microsoft.com/office/powerpoint/2012/main"/>
+    </p:ext>
+  </p:extLst>
 </p:presentation>
 </file>
 
@@ -164,7 +169,7 @@
           <a:noFill/>
           <a:extLst>
             <a:ext uri="{909E8E84-426E-40dd-AFC4-6F175D3DCCD1}">
-              <a14:hiddenFill xmlns:a14="http://schemas.microsoft.com/office/drawing/2010/main" xmlns="">
+              <a14:hiddenFill xmlns="" xmlns:a14="http://schemas.microsoft.com/office/drawing/2010/main">
                 <a:solidFill>
                   <a:srgbClr val="FFFFFF"/>
                 </a:solidFill>
@@ -224,7 +229,7 @@
             </a:ln>
             <a:extLst>
               <a:ext uri="{91240B29-F687-4f45-9708-019B960494DF}">
-                <a14:hiddenLine xmlns:a14="http://schemas.microsoft.com/office/drawing/2010/main" xmlns="" w="9525">
+                <a14:hiddenLine xmlns="" xmlns:a14="http://schemas.microsoft.com/office/drawing/2010/main" w="9525">
                   <a:solidFill>
                     <a:srgbClr val="000000"/>
                   </a:solidFill>
@@ -314,7 +319,7 @@
             </a:ln>
             <a:extLst>
               <a:ext uri="{91240B29-F687-4f45-9708-019B960494DF}">
-                <a14:hiddenLine xmlns:a14="http://schemas.microsoft.com/office/drawing/2010/main" xmlns="" w="9525">
+                <a14:hiddenLine xmlns="" xmlns:a14="http://schemas.microsoft.com/office/drawing/2010/main" w="9525">
                   <a:solidFill>
                     <a:srgbClr val="000000"/>
                   </a:solidFill>
@@ -404,7 +409,7 @@
             </a:ln>
             <a:extLst>
               <a:ext uri="{91240B29-F687-4f45-9708-019B960494DF}">
-                <a14:hiddenLine xmlns:a14="http://schemas.microsoft.com/office/drawing/2010/main" xmlns="" w="9525">
+                <a14:hiddenLine xmlns="" xmlns:a14="http://schemas.microsoft.com/office/drawing/2010/main" w="9525">
                   <a:solidFill>
                     <a:srgbClr val="000000"/>
                   </a:solidFill>
@@ -438,7 +443,7 @@
             </a:ln>
             <a:extLst>
               <a:ext uri="{91240B29-F687-4f45-9708-019B960494DF}">
-                <a14:hiddenLine xmlns:a14="http://schemas.microsoft.com/office/drawing/2010/main" xmlns="" w="9525">
+                <a14:hiddenLine xmlns="" xmlns:a14="http://schemas.microsoft.com/office/drawing/2010/main" w="9525">
                   <a:solidFill>
                     <a:srgbClr val="000000"/>
                   </a:solidFill>
@@ -528,7 +533,7 @@
             </a:ln>
             <a:extLst>
               <a:ext uri="{91240B29-F687-4f45-9708-019B960494DF}">
-                <a14:hiddenLine xmlns:a14="http://schemas.microsoft.com/office/drawing/2010/main" xmlns="" w="9525">
+                <a14:hiddenLine xmlns="" xmlns:a14="http://schemas.microsoft.com/office/drawing/2010/main" w="9525">
                   <a:solidFill>
                     <a:srgbClr val="000000"/>
                   </a:solidFill>
@@ -590,7 +595,7 @@
             </a:ln>
             <a:extLst>
               <a:ext uri="{91240B29-F687-4f45-9708-019B960494DF}">
-                <a14:hiddenLine xmlns:a14="http://schemas.microsoft.com/office/drawing/2010/main" xmlns="" w="9525">
+                <a14:hiddenLine xmlns="" xmlns:a14="http://schemas.microsoft.com/office/drawing/2010/main" w="9525">
                   <a:solidFill>
                     <a:srgbClr val="000000"/>
                   </a:solidFill>
@@ -652,7 +657,7 @@
             </a:ln>
             <a:extLst>
               <a:ext uri="{91240B29-F687-4f45-9708-019B960494DF}">
-                <a14:hiddenLine xmlns:a14="http://schemas.microsoft.com/office/drawing/2010/main" xmlns="" w="9525">
+                <a14:hiddenLine xmlns="" xmlns:a14="http://schemas.microsoft.com/office/drawing/2010/main" w="9525">
                   <a:solidFill>
                     <a:srgbClr val="000000"/>
                   </a:solidFill>
@@ -742,7 +747,7 @@
             </a:ln>
             <a:extLst>
               <a:ext uri="{91240B29-F687-4f45-9708-019B960494DF}">
-                <a14:hiddenLine xmlns:a14="http://schemas.microsoft.com/office/drawing/2010/main" xmlns="" w="9525">
+                <a14:hiddenLine xmlns="" xmlns:a14="http://schemas.microsoft.com/office/drawing/2010/main" w="9525">
                   <a:solidFill>
                     <a:srgbClr val="000000"/>
                   </a:solidFill>
@@ -804,7 +809,7 @@
             </a:ln>
             <a:extLst>
               <a:ext uri="{91240B29-F687-4f45-9708-019B960494DF}">
-                <a14:hiddenLine xmlns:a14="http://schemas.microsoft.com/office/drawing/2010/main" xmlns="" w="9525">
+                <a14:hiddenLine xmlns="" xmlns:a14="http://schemas.microsoft.com/office/drawing/2010/main" w="9525">
                   <a:solidFill>
                     <a:srgbClr val="000000"/>
                   </a:solidFill>
@@ -866,7 +871,7 @@
             </a:ln>
             <a:extLst>
               <a:ext uri="{91240B29-F687-4f45-9708-019B960494DF}">
-                <a14:hiddenLine xmlns:a14="http://schemas.microsoft.com/office/drawing/2010/main" xmlns="" w="9525">
+                <a14:hiddenLine xmlns="" xmlns:a14="http://schemas.microsoft.com/office/drawing/2010/main" w="9525">
                   <a:solidFill>
                     <a:srgbClr val="000000"/>
                   </a:solidFill>
@@ -956,7 +961,7 @@
             </a:ln>
             <a:extLst>
               <a:ext uri="{91240B29-F687-4f45-9708-019B960494DF}">
-                <a14:hiddenLine xmlns:a14="http://schemas.microsoft.com/office/drawing/2010/main" xmlns="" w="9525">
+                <a14:hiddenLine xmlns="" xmlns:a14="http://schemas.microsoft.com/office/drawing/2010/main" w="9525">
                   <a:solidFill>
                     <a:srgbClr val="000000"/>
                   </a:solidFill>
@@ -1046,7 +1051,7 @@
             </a:ln>
             <a:extLst>
               <a:ext uri="{91240B29-F687-4f45-9708-019B960494DF}">
-                <a14:hiddenLine xmlns:a14="http://schemas.microsoft.com/office/drawing/2010/main" xmlns="" w="9525">
+                <a14:hiddenLine xmlns="" xmlns:a14="http://schemas.microsoft.com/office/drawing/2010/main" w="9525">
                   <a:solidFill>
                     <a:srgbClr val="000000"/>
                   </a:solidFill>
@@ -1108,7 +1113,7 @@
             </a:ln>
             <a:extLst>
               <a:ext uri="{91240B29-F687-4f45-9708-019B960494DF}">
-                <a14:hiddenLine xmlns:a14="http://schemas.microsoft.com/office/drawing/2010/main" xmlns="" w="9525">
+                <a14:hiddenLine xmlns="" xmlns:a14="http://schemas.microsoft.com/office/drawing/2010/main" w="9525">
                   <a:solidFill>
                     <a:srgbClr val="000000"/>
                   </a:solidFill>
@@ -1218,7 +1223,7 @@
             </a:ln>
             <a:extLst>
               <a:ext uri="{91240B29-F687-4f45-9708-019B960494DF}">
-                <a14:hiddenLine xmlns:a14="http://schemas.microsoft.com/office/drawing/2010/main" xmlns="" w="9525">
+                <a14:hiddenLine xmlns="" xmlns:a14="http://schemas.microsoft.com/office/drawing/2010/main" w="9525">
                   <a:solidFill>
                     <a:srgbClr val="000000"/>
                   </a:solidFill>
@@ -1280,7 +1285,7 @@
             </a:ln>
             <a:extLst>
               <a:ext uri="{91240B29-F687-4f45-9708-019B960494DF}">
-                <a14:hiddenLine xmlns:a14="http://schemas.microsoft.com/office/drawing/2010/main" xmlns="" w="9525">
+                <a14:hiddenLine xmlns="" xmlns:a14="http://schemas.microsoft.com/office/drawing/2010/main" w="9525">
                   <a:solidFill>
                     <a:srgbClr val="000000"/>
                   </a:solidFill>
@@ -1370,7 +1375,7 @@
             </a:ln>
             <a:extLst>
               <a:ext uri="{91240B29-F687-4f45-9708-019B960494DF}">
-                <a14:hiddenLine xmlns:a14="http://schemas.microsoft.com/office/drawing/2010/main" xmlns="" w="9525">
+                <a14:hiddenLine xmlns="" xmlns:a14="http://schemas.microsoft.com/office/drawing/2010/main" w="9525">
                   <a:solidFill>
                     <a:srgbClr val="000000"/>
                   </a:solidFill>
@@ -1460,7 +1465,7 @@
             </a:ln>
             <a:extLst>
               <a:ext uri="{91240B29-F687-4f45-9708-019B960494DF}">
-                <a14:hiddenLine xmlns:a14="http://schemas.microsoft.com/office/drawing/2010/main" xmlns="" w="9525">
+                <a14:hiddenLine xmlns="" xmlns:a14="http://schemas.microsoft.com/office/drawing/2010/main" w="9525">
                   <a:solidFill>
                     <a:srgbClr val="000000"/>
                   </a:solidFill>
@@ -1522,7 +1527,7 @@
             </a:ln>
             <a:extLst>
               <a:ext uri="{91240B29-F687-4f45-9708-019B960494DF}">
-                <a14:hiddenLine xmlns:a14="http://schemas.microsoft.com/office/drawing/2010/main" xmlns="" w="9525">
+                <a14:hiddenLine xmlns="" xmlns:a14="http://schemas.microsoft.com/office/drawing/2010/main" w="9525">
                   <a:solidFill>
                     <a:srgbClr val="000000"/>
                   </a:solidFill>
@@ -1612,7 +1617,7 @@
             </a:ln>
             <a:extLst>
               <a:ext uri="{91240B29-F687-4f45-9708-019B960494DF}">
-                <a14:hiddenLine xmlns:a14="http://schemas.microsoft.com/office/drawing/2010/main" xmlns="" w="9525">
+                <a14:hiddenLine xmlns="" xmlns:a14="http://schemas.microsoft.com/office/drawing/2010/main" w="9525">
                   <a:solidFill>
                     <a:srgbClr val="000000"/>
                   </a:solidFill>
@@ -1702,7 +1707,7 @@
             </a:ln>
             <a:extLst>
               <a:ext uri="{91240B29-F687-4f45-9708-019B960494DF}">
-                <a14:hiddenLine xmlns:a14="http://schemas.microsoft.com/office/drawing/2010/main" xmlns="" w="9525">
+                <a14:hiddenLine xmlns="" xmlns:a14="http://schemas.microsoft.com/office/drawing/2010/main" w="9525">
                   <a:solidFill>
                     <a:srgbClr val="000000"/>
                   </a:solidFill>
@@ -1758,7 +1763,7 @@
             </a:ln>
             <a:extLst>
               <a:ext uri="{91240B29-F687-4f45-9708-019B960494DF}">
-                <a14:hiddenLine xmlns:a14="http://schemas.microsoft.com/office/drawing/2010/main" xmlns="" w="9525">
+                <a14:hiddenLine xmlns="" xmlns:a14="http://schemas.microsoft.com/office/drawing/2010/main" w="9525">
                   <a:solidFill>
                     <a:srgbClr val="000000"/>
                   </a:solidFill>
@@ -1848,7 +1853,7 @@
             </a:ln>
             <a:extLst>
               <a:ext uri="{91240B29-F687-4f45-9708-019B960494DF}">
-                <a14:hiddenLine xmlns:a14="http://schemas.microsoft.com/office/drawing/2010/main" xmlns="" w="9525">
+                <a14:hiddenLine xmlns="" xmlns:a14="http://schemas.microsoft.com/office/drawing/2010/main" w="9525">
                   <a:solidFill>
                     <a:srgbClr val="000000"/>
                   </a:solidFill>
@@ -1904,7 +1909,7 @@
             </a:ln>
             <a:extLst>
               <a:ext uri="{91240B29-F687-4f45-9708-019B960494DF}">
-                <a14:hiddenLine xmlns:a14="http://schemas.microsoft.com/office/drawing/2010/main" xmlns="" w="9525">
+                <a14:hiddenLine xmlns="" xmlns:a14="http://schemas.microsoft.com/office/drawing/2010/main" w="9525">
                   <a:solidFill>
                     <a:srgbClr val="000000"/>
                   </a:solidFill>
@@ -1994,7 +1999,7 @@
             </a:ln>
             <a:extLst>
               <a:ext uri="{91240B29-F687-4f45-9708-019B960494DF}">
-                <a14:hiddenLine xmlns:a14="http://schemas.microsoft.com/office/drawing/2010/main" xmlns="" w="9525">
+                <a14:hiddenLine xmlns="" xmlns:a14="http://schemas.microsoft.com/office/drawing/2010/main" w="9525">
                   <a:solidFill>
                     <a:srgbClr val="000000"/>
                   </a:solidFill>
@@ -2062,7 +2067,7 @@
             </a:ln>
             <a:extLst>
               <a:ext uri="{91240B29-F687-4f45-9708-019B960494DF}">
-                <a14:hiddenLine xmlns:a14="http://schemas.microsoft.com/office/drawing/2010/main" xmlns="" w="9525">
+                <a14:hiddenLine xmlns="" xmlns:a14="http://schemas.microsoft.com/office/drawing/2010/main" w="9525">
                   <a:solidFill>
                     <a:srgbClr val="000000"/>
                   </a:solidFill>
@@ -2152,7 +2157,7 @@
             </a:ln>
             <a:extLst>
               <a:ext uri="{91240B29-F687-4f45-9708-019B960494DF}">
-                <a14:hiddenLine xmlns:a14="http://schemas.microsoft.com/office/drawing/2010/main" xmlns="" w="9525">
+                <a14:hiddenLine xmlns="" xmlns:a14="http://schemas.microsoft.com/office/drawing/2010/main" w="9525">
                   <a:solidFill>
                     <a:srgbClr val="000000"/>
                   </a:solidFill>
@@ -2220,7 +2225,7 @@
             </a:ln>
             <a:extLst>
               <a:ext uri="{91240B29-F687-4f45-9708-019B960494DF}">
-                <a14:hiddenLine xmlns:a14="http://schemas.microsoft.com/office/drawing/2010/main" xmlns="" w="9525">
+                <a14:hiddenLine xmlns="" xmlns:a14="http://schemas.microsoft.com/office/drawing/2010/main" w="9525">
                   <a:solidFill>
                     <a:srgbClr val="000000"/>
                   </a:solidFill>
@@ -2310,7 +2315,7 @@
             </a:ln>
             <a:extLst>
               <a:ext uri="{91240B29-F687-4f45-9708-019B960494DF}">
-                <a14:hiddenLine xmlns:a14="http://schemas.microsoft.com/office/drawing/2010/main" xmlns="" w="9525">
+                <a14:hiddenLine xmlns="" xmlns:a14="http://schemas.microsoft.com/office/drawing/2010/main" w="9525">
                   <a:solidFill>
                     <a:srgbClr val="000000"/>
                   </a:solidFill>
@@ -2344,7 +2349,7 @@
             </a:ln>
             <a:extLst>
               <a:ext uri="{91240B29-F687-4f45-9708-019B960494DF}">
-                <a14:hiddenLine xmlns:a14="http://schemas.microsoft.com/office/drawing/2010/main" xmlns="" w="9525">
+                <a14:hiddenLine xmlns="" xmlns:a14="http://schemas.microsoft.com/office/drawing/2010/main" w="9525">
                   <a:solidFill>
                     <a:srgbClr val="000000"/>
                   </a:solidFill>
@@ -2434,7 +2439,7 @@
             </a:ln>
             <a:extLst>
               <a:ext uri="{91240B29-F687-4f45-9708-019B960494DF}">
-                <a14:hiddenLine xmlns:a14="http://schemas.microsoft.com/office/drawing/2010/main" xmlns="" w="9525">
+                <a14:hiddenLine xmlns="" xmlns:a14="http://schemas.microsoft.com/office/drawing/2010/main" w="9525">
                   <a:solidFill>
                     <a:srgbClr val="000000"/>
                   </a:solidFill>
@@ -2496,7 +2501,7 @@
             </a:ln>
             <a:extLst>
               <a:ext uri="{91240B29-F687-4f45-9708-019B960494DF}">
-                <a14:hiddenLine xmlns:a14="http://schemas.microsoft.com/office/drawing/2010/main" xmlns="" w="9525">
+                <a14:hiddenLine xmlns="" xmlns:a14="http://schemas.microsoft.com/office/drawing/2010/main" w="9525">
                   <a:solidFill>
                     <a:srgbClr val="000000"/>
                   </a:solidFill>
@@ -2558,7 +2563,7 @@
             </a:ln>
             <a:extLst>
               <a:ext uri="{91240B29-F687-4f45-9708-019B960494DF}">
-                <a14:hiddenLine xmlns:a14="http://schemas.microsoft.com/office/drawing/2010/main" xmlns="" w="9525">
+                <a14:hiddenLine xmlns="" xmlns:a14="http://schemas.microsoft.com/office/drawing/2010/main" w="9525">
                   <a:solidFill>
                     <a:srgbClr val="000000"/>
                   </a:solidFill>
@@ -2648,7 +2653,7 @@
             </a:ln>
             <a:extLst>
               <a:ext uri="{91240B29-F687-4f45-9708-019B960494DF}">
-                <a14:hiddenLine xmlns:a14="http://schemas.microsoft.com/office/drawing/2010/main" xmlns="" w="9525">
+                <a14:hiddenLine xmlns="" xmlns:a14="http://schemas.microsoft.com/office/drawing/2010/main" w="9525">
                   <a:solidFill>
                     <a:srgbClr val="000000"/>
                   </a:solidFill>
@@ -2716,7 +2721,7 @@
             </a:ln>
             <a:extLst>
               <a:ext uri="{91240B29-F687-4f45-9708-019B960494DF}">
-                <a14:hiddenLine xmlns:a14="http://schemas.microsoft.com/office/drawing/2010/main" xmlns="" w="9525">
+                <a14:hiddenLine xmlns="" xmlns:a14="http://schemas.microsoft.com/office/drawing/2010/main" w="9525">
                   <a:solidFill>
                     <a:srgbClr val="000000"/>
                   </a:solidFill>
@@ -2778,7 +2783,7 @@
             </a:ln>
             <a:extLst>
               <a:ext uri="{91240B29-F687-4f45-9708-019B960494DF}">
-                <a14:hiddenLine xmlns:a14="http://schemas.microsoft.com/office/drawing/2010/main" xmlns="" w="9525">
+                <a14:hiddenLine xmlns="" xmlns:a14="http://schemas.microsoft.com/office/drawing/2010/main" w="9525">
                   <a:solidFill>
                     <a:srgbClr val="000000"/>
                   </a:solidFill>
@@ -2868,7 +2873,7 @@
             </a:ln>
             <a:extLst>
               <a:ext uri="{91240B29-F687-4f45-9708-019B960494DF}">
-                <a14:hiddenLine xmlns:a14="http://schemas.microsoft.com/office/drawing/2010/main" xmlns="" w="9525">
+                <a14:hiddenLine xmlns="" xmlns:a14="http://schemas.microsoft.com/office/drawing/2010/main" w="9525">
                   <a:solidFill>
                     <a:srgbClr val="000000"/>
                   </a:solidFill>
@@ -2930,7 +2935,7 @@
             </a:ln>
             <a:extLst>
               <a:ext uri="{91240B29-F687-4f45-9708-019B960494DF}">
-                <a14:hiddenLine xmlns:a14="http://schemas.microsoft.com/office/drawing/2010/main" xmlns="" w="9525">
+                <a14:hiddenLine xmlns="" xmlns:a14="http://schemas.microsoft.com/office/drawing/2010/main" w="9525">
                   <a:solidFill>
                     <a:srgbClr val="000000"/>
                   </a:solidFill>
@@ -3020,7 +3025,7 @@
             </a:ln>
             <a:extLst>
               <a:ext uri="{91240B29-F687-4f45-9708-019B960494DF}">
-                <a14:hiddenLine xmlns:a14="http://schemas.microsoft.com/office/drawing/2010/main" xmlns="" w="9525">
+                <a14:hiddenLine xmlns="" xmlns:a14="http://schemas.microsoft.com/office/drawing/2010/main" w="9525">
                   <a:solidFill>
                     <a:srgbClr val="000000"/>
                   </a:solidFill>
@@ -3082,7 +3087,7 @@
             </a:ln>
             <a:extLst>
               <a:ext uri="{91240B29-F687-4f45-9708-019B960494DF}">
-                <a14:hiddenLine xmlns:a14="http://schemas.microsoft.com/office/drawing/2010/main" xmlns="" w="9525">
+                <a14:hiddenLine xmlns="" xmlns:a14="http://schemas.microsoft.com/office/drawing/2010/main" w="9525">
                   <a:solidFill>
                     <a:srgbClr val="000000"/>
                   </a:solidFill>
@@ -3172,7 +3177,7 @@
             </a:ln>
             <a:extLst>
               <a:ext uri="{91240B29-F687-4f45-9708-019B960494DF}">
-                <a14:hiddenLine xmlns:a14="http://schemas.microsoft.com/office/drawing/2010/main" xmlns="" w="9525">
+                <a14:hiddenLine xmlns="" xmlns:a14="http://schemas.microsoft.com/office/drawing/2010/main" w="9525">
                   <a:solidFill>
                     <a:srgbClr val="000000"/>
                   </a:solidFill>
@@ -3206,7 +3211,7 @@
             </a:ln>
             <a:extLst>
               <a:ext uri="{91240B29-F687-4f45-9708-019B960494DF}">
-                <a14:hiddenLine xmlns:a14="http://schemas.microsoft.com/office/drawing/2010/main" xmlns="" w="9525">
+                <a14:hiddenLine xmlns="" xmlns:a14="http://schemas.microsoft.com/office/drawing/2010/main" w="9525">
                   <a:solidFill>
                     <a:srgbClr val="000000"/>
                   </a:solidFill>
@@ -3271,7 +3276,7 @@
             </a:ln>
             <a:extLst>
               <a:ext uri="{91240B29-F687-4f45-9708-019B960494DF}">
-                <a14:hiddenLine xmlns:a14="http://schemas.microsoft.com/office/drawing/2010/main" xmlns="" w="9525">
+                <a14:hiddenLine xmlns="" xmlns:a14="http://schemas.microsoft.com/office/drawing/2010/main" w="9525">
                   <a:solidFill>
                     <a:srgbClr val="000000"/>
                   </a:solidFill>
@@ -3361,7 +3366,7 @@
             </a:ln>
             <a:extLst>
               <a:ext uri="{91240B29-F687-4f45-9708-019B960494DF}">
-                <a14:hiddenLine xmlns:a14="http://schemas.microsoft.com/office/drawing/2010/main" xmlns="" w="9525">
+                <a14:hiddenLine xmlns="" xmlns:a14="http://schemas.microsoft.com/office/drawing/2010/main" w="9525">
                   <a:solidFill>
                     <a:srgbClr val="000000"/>
                   </a:solidFill>
@@ -3423,7 +3428,7 @@
             </a:ln>
             <a:extLst>
               <a:ext uri="{91240B29-F687-4f45-9708-019B960494DF}">
-                <a14:hiddenLine xmlns:a14="http://schemas.microsoft.com/office/drawing/2010/main" xmlns="" w="9525">
+                <a14:hiddenLine xmlns="" xmlns:a14="http://schemas.microsoft.com/office/drawing/2010/main" w="9525">
                   <a:solidFill>
                     <a:srgbClr val="000000"/>
                   </a:solidFill>
@@ -3513,7 +3518,7 @@
             </a:ln>
             <a:extLst>
               <a:ext uri="{91240B29-F687-4f45-9708-019B960494DF}">
-                <a14:hiddenLine xmlns:a14="http://schemas.microsoft.com/office/drawing/2010/main" xmlns="" w="9525">
+                <a14:hiddenLine xmlns="" xmlns:a14="http://schemas.microsoft.com/office/drawing/2010/main" w="9525">
                   <a:solidFill>
                     <a:srgbClr val="000000"/>
                   </a:solidFill>
@@ -3603,7 +3608,7 @@
             </a:ln>
             <a:extLst>
               <a:ext uri="{91240B29-F687-4f45-9708-019B960494DF}">
-                <a14:hiddenLine xmlns:a14="http://schemas.microsoft.com/office/drawing/2010/main" xmlns="" w="9525">
+                <a14:hiddenLine xmlns="" xmlns:a14="http://schemas.microsoft.com/office/drawing/2010/main" w="9525">
                   <a:solidFill>
                     <a:srgbClr val="000000"/>
                   </a:solidFill>
@@ -3668,7 +3673,7 @@
             </a:ln>
             <a:extLst>
               <a:ext uri="{91240B29-F687-4f45-9708-019B960494DF}">
-                <a14:hiddenLine xmlns:a14="http://schemas.microsoft.com/office/drawing/2010/main" xmlns="" w="9525">
+                <a14:hiddenLine xmlns="" xmlns:a14="http://schemas.microsoft.com/office/drawing/2010/main" w="9525">
                   <a:solidFill>
                     <a:srgbClr val="000000"/>
                   </a:solidFill>
@@ -3730,7 +3735,7 @@
             </a:ln>
             <a:extLst>
               <a:ext uri="{91240B29-F687-4f45-9708-019B960494DF}">
-                <a14:hiddenLine xmlns:a14="http://schemas.microsoft.com/office/drawing/2010/main" xmlns="" w="9525">
+                <a14:hiddenLine xmlns="" xmlns:a14="http://schemas.microsoft.com/office/drawing/2010/main" w="9525">
                   <a:solidFill>
                     <a:srgbClr val="000000"/>
                   </a:solidFill>
@@ -3820,7 +3825,7 @@
             </a:ln>
             <a:extLst>
               <a:ext uri="{91240B29-F687-4f45-9708-019B960494DF}">
-                <a14:hiddenLine xmlns:a14="http://schemas.microsoft.com/office/drawing/2010/main" xmlns="" w="9525">
+                <a14:hiddenLine xmlns="" xmlns:a14="http://schemas.microsoft.com/office/drawing/2010/main" w="9525">
                   <a:solidFill>
                     <a:srgbClr val="000000"/>
                   </a:solidFill>
@@ -3910,7 +3915,7 @@
             </a:ln>
             <a:extLst>
               <a:ext uri="{91240B29-F687-4f45-9708-019B960494DF}">
-                <a14:hiddenLine xmlns:a14="http://schemas.microsoft.com/office/drawing/2010/main" xmlns="" w="9525">
+                <a14:hiddenLine xmlns="" xmlns:a14="http://schemas.microsoft.com/office/drawing/2010/main" w="9525">
                   <a:solidFill>
                     <a:srgbClr val="000000"/>
                   </a:solidFill>
@@ -3972,7 +3977,7 @@
             </a:ln>
             <a:extLst>
               <a:ext uri="{91240B29-F687-4f45-9708-019B960494DF}">
-                <a14:hiddenLine xmlns:a14="http://schemas.microsoft.com/office/drawing/2010/main" xmlns="" w="9525">
+                <a14:hiddenLine xmlns="" xmlns:a14="http://schemas.microsoft.com/office/drawing/2010/main" w="9525">
                   <a:solidFill>
                     <a:srgbClr val="000000"/>
                   </a:solidFill>
@@ -4092,7 +4097,7 @@
             </a:ln>
             <a:extLst>
               <a:ext uri="{91240B29-F687-4f45-9708-019B960494DF}">
-                <a14:hiddenLine xmlns:a14="http://schemas.microsoft.com/office/drawing/2010/main" xmlns="" w="9525">
+                <a14:hiddenLine xmlns="" xmlns:a14="http://schemas.microsoft.com/office/drawing/2010/main" w="9525">
                   <a:solidFill>
                     <a:srgbClr val="000000"/>
                   </a:solidFill>
@@ -4160,7 +4165,7 @@
             </a:ln>
             <a:extLst>
               <a:ext uri="{91240B29-F687-4f45-9708-019B960494DF}">
-                <a14:hiddenLine xmlns:a14="http://schemas.microsoft.com/office/drawing/2010/main" xmlns="" w="9525">
+                <a14:hiddenLine xmlns="" xmlns:a14="http://schemas.microsoft.com/office/drawing/2010/main" w="9525">
                   <a:solidFill>
                     <a:srgbClr val="000000"/>
                   </a:solidFill>
@@ -4250,7 +4255,7 @@
             </a:ln>
             <a:extLst>
               <a:ext uri="{91240B29-F687-4f45-9708-019B960494DF}">
-                <a14:hiddenLine xmlns:a14="http://schemas.microsoft.com/office/drawing/2010/main" xmlns="" w="9525">
+                <a14:hiddenLine xmlns="" xmlns:a14="http://schemas.microsoft.com/office/drawing/2010/main" w="9525">
                   <a:solidFill>
                     <a:srgbClr val="000000"/>
                   </a:solidFill>
@@ -4390,7 +4395,7 @@
           <a:p>
             <a:fld id="{48A87A34-81AB-432B-8DAE-1953F412C126}" type="datetimeFigureOut">
               <a:rPr lang="en-US" dirty="0"/>
-              <a:t>1/6/19</a:t>
+              <a:t>1/7/19</a:t>
             </a:fld>
             <a:endParaRPr lang="en-US" dirty="0"/>
           </a:p>
@@ -4657,7 +4662,7 @@
           <a:p>
             <a:fld id="{48A87A34-81AB-432B-8DAE-1953F412C126}" type="datetimeFigureOut">
               <a:rPr lang="en-US" dirty="0"/>
-              <a:t>1/6/19</a:t>
+              <a:t>1/7/19</a:t>
             </a:fld>
             <a:endParaRPr lang="en-US" dirty="0"/>
           </a:p>
@@ -4853,7 +4858,7 @@
           <a:p>
             <a:fld id="{48A87A34-81AB-432B-8DAE-1953F412C126}" type="datetimeFigureOut">
               <a:rPr lang="en-US" dirty="0"/>
-              <a:t>1/6/19</a:t>
+              <a:t>1/7/19</a:t>
             </a:fld>
             <a:endParaRPr lang="en-US" dirty="0"/>
           </a:p>
@@ -5121,7 +5126,7 @@
           <a:p>
             <a:fld id="{48A87A34-81AB-432B-8DAE-1953F412C126}" type="datetimeFigureOut">
               <a:rPr lang="en-US" dirty="0"/>
-              <a:t>1/6/19</a:t>
+              <a:t>1/7/19</a:t>
             </a:fld>
             <a:endParaRPr lang="en-US" dirty="0"/>
           </a:p>
@@ -5555,7 +5560,7 @@
           <a:p>
             <a:fld id="{48A87A34-81AB-432B-8DAE-1953F412C126}" type="datetimeFigureOut">
               <a:rPr lang="en-US" dirty="0"/>
-              <a:t>1/6/19</a:t>
+              <a:t>1/7/19</a:t>
             </a:fld>
             <a:endParaRPr lang="en-US" dirty="0"/>
           </a:p>
@@ -6126,7 +6131,7 @@
           <a:p>
             <a:fld id="{48A87A34-81AB-432B-8DAE-1953F412C126}" type="datetimeFigureOut">
               <a:rPr lang="en-US" dirty="0"/>
-              <a:t>1/6/19</a:t>
+              <a:t>1/7/19</a:t>
             </a:fld>
             <a:endParaRPr lang="en-US" dirty="0"/>
           </a:p>
@@ -6871,7 +6876,7 @@
           <a:p>
             <a:fld id="{48A87A34-81AB-432B-8DAE-1953F412C126}" type="datetimeFigureOut">
               <a:rPr lang="en-US" dirty="0"/>
-              <a:t>1/6/19</a:t>
+              <a:t>1/7/19</a:t>
             </a:fld>
             <a:endParaRPr lang="en-US" dirty="0"/>
           </a:p>
@@ -7012,7 +7017,7 @@
           <a:p>
             <a:fld id="{48A87A34-81AB-432B-8DAE-1953F412C126}" type="datetimeFigureOut">
               <a:rPr lang="en-US" dirty="0"/>
-              <a:t>1/6/19</a:t>
+              <a:t>1/7/19</a:t>
             </a:fld>
             <a:endParaRPr lang="en-US" dirty="0"/>
           </a:p>
@@ -7163,7 +7168,7 @@
           <a:p>
             <a:fld id="{48A87A34-81AB-432B-8DAE-1953F412C126}" type="datetimeFigureOut">
               <a:rPr lang="en-US" dirty="0"/>
-              <a:t>1/6/19</a:t>
+              <a:t>1/7/19</a:t>
             </a:fld>
             <a:endParaRPr lang="en-US" dirty="0"/>
           </a:p>
@@ -7304,7 +7309,7 @@
           <a:p>
             <a:fld id="{48A87A34-81AB-432B-8DAE-1953F412C126}" type="datetimeFigureOut">
               <a:rPr lang="en-US" dirty="0"/>
-              <a:t>1/6/19</a:t>
+              <a:t>1/7/19</a:t>
             </a:fld>
             <a:endParaRPr lang="en-US" dirty="0"/>
           </a:p>
@@ -7554,7 +7559,7 @@
           <a:p>
             <a:fld id="{48A87A34-81AB-432B-8DAE-1953F412C126}" type="datetimeFigureOut">
               <a:rPr lang="en-US" dirty="0"/>
-              <a:t>1/6/19</a:t>
+              <a:t>1/7/19</a:t>
             </a:fld>
             <a:endParaRPr lang="en-US" dirty="0"/>
           </a:p>
@@ -7733,7 +7738,7 @@
           <a:p>
             <a:fld id="{48A87A34-81AB-432B-8DAE-1953F412C126}" type="datetimeFigureOut">
               <a:rPr lang="en-US" dirty="0"/>
-              <a:t>1/6/19</a:t>
+              <a:t>1/7/19</a:t>
             </a:fld>
             <a:endParaRPr lang="en-US" dirty="0"/>
           </a:p>
@@ -8071,7 +8076,7 @@
           <a:p>
             <a:fld id="{48A87A34-81AB-432B-8DAE-1953F412C126}" type="datetimeFigureOut">
               <a:rPr lang="en-US" dirty="0"/>
-              <a:t>1/6/19</a:t>
+              <a:t>1/7/19</a:t>
             </a:fld>
             <a:endParaRPr lang="en-US" dirty="0"/>
           </a:p>
@@ -8184,7 +8189,7 @@
           <a:p>
             <a:fld id="{48A87A34-81AB-432B-8DAE-1953F412C126}" type="datetimeFigureOut">
               <a:rPr lang="en-US" dirty="0"/>
-              <a:t>1/6/19</a:t>
+              <a:t>1/7/19</a:t>
             </a:fld>
             <a:endParaRPr lang="en-US" dirty="0"/>
           </a:p>
@@ -8274,7 +8279,7 @@
           <a:p>
             <a:fld id="{48A87A34-81AB-432B-8DAE-1953F412C126}" type="datetimeFigureOut">
               <a:rPr lang="en-US" dirty="0"/>
-              <a:t>1/6/19</a:t>
+              <a:t>1/7/19</a:t>
             </a:fld>
             <a:endParaRPr lang="en-US" dirty="0"/>
           </a:p>
@@ -8499,7 +8504,7 @@
           <a:p>
             <a:fld id="{48A87A34-81AB-432B-8DAE-1953F412C126}" type="datetimeFigureOut">
               <a:rPr lang="en-US" dirty="0"/>
-              <a:t>1/6/19</a:t>
+              <a:t>1/7/19</a:t>
             </a:fld>
             <a:endParaRPr lang="en-US" dirty="0"/>
           </a:p>
@@ -8779,7 +8784,7 @@
           <a:p>
             <a:fld id="{48A87A34-81AB-432B-8DAE-1953F412C126}" type="datetimeFigureOut">
               <a:rPr lang="en-US" dirty="0"/>
-              <a:t>1/6/19</a:t>
+              <a:t>1/7/19</a:t>
             </a:fld>
             <a:endParaRPr lang="en-US" dirty="0"/>
           </a:p>
@@ -8890,7 +8895,7 @@
           <a:noFill/>
           <a:extLst>
             <a:ext uri="{909E8E84-426E-40dd-AFC4-6F175D3DCCD1}">
-              <a14:hiddenFill xmlns:a14="http://schemas.microsoft.com/office/drawing/2010/main" xmlns="">
+              <a14:hiddenFill xmlns="" xmlns:a14="http://schemas.microsoft.com/office/drawing/2010/main">
                 <a:solidFill>
                   <a:srgbClr val="FFFFFF"/>
                 </a:solidFill>
@@ -8964,7 +8969,7 @@
               </a:ln>
               <a:extLst>
                 <a:ext uri="{91240B29-F687-4f45-9708-019B960494DF}">
-                  <a14:hiddenLine xmlns:a14="http://schemas.microsoft.com/office/drawing/2010/main" xmlns="" w="9525">
+                  <a14:hiddenLine xmlns="" xmlns:a14="http://schemas.microsoft.com/office/drawing/2010/main" w="9525">
                     <a:solidFill>
                       <a:srgbClr val="000000"/>
                     </a:solidFill>
@@ -9054,7 +9059,7 @@
               </a:ln>
               <a:extLst>
                 <a:ext uri="{91240B29-F687-4f45-9708-019B960494DF}">
-                  <a14:hiddenLine xmlns:a14="http://schemas.microsoft.com/office/drawing/2010/main" xmlns="" w="9525">
+                  <a14:hiddenLine xmlns="" xmlns:a14="http://schemas.microsoft.com/office/drawing/2010/main" w="9525">
                     <a:solidFill>
                       <a:srgbClr val="000000"/>
                     </a:solidFill>
@@ -9144,7 +9149,7 @@
               </a:ln>
               <a:extLst>
                 <a:ext uri="{91240B29-F687-4f45-9708-019B960494DF}">
-                  <a14:hiddenLine xmlns:a14="http://schemas.microsoft.com/office/drawing/2010/main" xmlns="" w="9525">
+                  <a14:hiddenLine xmlns="" xmlns:a14="http://schemas.microsoft.com/office/drawing/2010/main" w="9525">
                     <a:solidFill>
                       <a:srgbClr val="000000"/>
                     </a:solidFill>
@@ -9206,7 +9211,7 @@
               </a:ln>
               <a:extLst>
                 <a:ext uri="{91240B29-F687-4f45-9708-019B960494DF}">
-                  <a14:hiddenLine xmlns:a14="http://schemas.microsoft.com/office/drawing/2010/main" xmlns="" w="9525">
+                  <a14:hiddenLine xmlns="" xmlns:a14="http://schemas.microsoft.com/office/drawing/2010/main" w="9525">
                     <a:solidFill>
                       <a:srgbClr val="000000"/>
                     </a:solidFill>
@@ -9296,7 +9301,7 @@
               </a:ln>
               <a:extLst>
                 <a:ext uri="{91240B29-F687-4f45-9708-019B960494DF}">
-                  <a14:hiddenLine xmlns:a14="http://schemas.microsoft.com/office/drawing/2010/main" xmlns="" w="9525">
+                  <a14:hiddenLine xmlns="" xmlns:a14="http://schemas.microsoft.com/office/drawing/2010/main" w="9525">
                     <a:solidFill>
                       <a:srgbClr val="000000"/>
                     </a:solidFill>
@@ -9358,7 +9363,7 @@
               </a:ln>
               <a:extLst>
                 <a:ext uri="{91240B29-F687-4f45-9708-019B960494DF}">
-                  <a14:hiddenLine xmlns:a14="http://schemas.microsoft.com/office/drawing/2010/main" xmlns="" w="9525">
+                  <a14:hiddenLine xmlns="" xmlns:a14="http://schemas.microsoft.com/office/drawing/2010/main" w="9525">
                     <a:solidFill>
                       <a:srgbClr val="000000"/>
                     </a:solidFill>
@@ -9420,7 +9425,7 @@
               </a:ln>
               <a:extLst>
                 <a:ext uri="{91240B29-F687-4f45-9708-019B960494DF}">
-                  <a14:hiddenLine xmlns:a14="http://schemas.microsoft.com/office/drawing/2010/main" xmlns="" w="9525">
+                  <a14:hiddenLine xmlns="" xmlns:a14="http://schemas.microsoft.com/office/drawing/2010/main" w="9525">
                     <a:solidFill>
                       <a:srgbClr val="000000"/>
                     </a:solidFill>
@@ -9510,7 +9515,7 @@
               </a:ln>
               <a:extLst>
                 <a:ext uri="{91240B29-F687-4f45-9708-019B960494DF}">
-                  <a14:hiddenLine xmlns:a14="http://schemas.microsoft.com/office/drawing/2010/main" xmlns="" w="9525">
+                  <a14:hiddenLine xmlns="" xmlns:a14="http://schemas.microsoft.com/office/drawing/2010/main" w="9525">
                     <a:solidFill>
                       <a:srgbClr val="000000"/>
                     </a:solidFill>
@@ -9600,7 +9605,7 @@
               </a:ln>
               <a:extLst>
                 <a:ext uri="{91240B29-F687-4f45-9708-019B960494DF}">
-                  <a14:hiddenLine xmlns:a14="http://schemas.microsoft.com/office/drawing/2010/main" xmlns="" w="9525">
+                  <a14:hiddenLine xmlns="" xmlns:a14="http://schemas.microsoft.com/office/drawing/2010/main" w="9525">
                     <a:solidFill>
                       <a:srgbClr val="000000"/>
                     </a:solidFill>
@@ -9662,7 +9667,7 @@
               </a:ln>
               <a:extLst>
                 <a:ext uri="{91240B29-F687-4f45-9708-019B960494DF}">
-                  <a14:hiddenLine xmlns:a14="http://schemas.microsoft.com/office/drawing/2010/main" xmlns="" w="9525">
+                  <a14:hiddenLine xmlns="" xmlns:a14="http://schemas.microsoft.com/office/drawing/2010/main" w="9525">
                     <a:solidFill>
                       <a:srgbClr val="000000"/>
                     </a:solidFill>
@@ -9772,7 +9777,7 @@
               </a:ln>
               <a:extLst>
                 <a:ext uri="{91240B29-F687-4f45-9708-019B960494DF}">
-                  <a14:hiddenLine xmlns:a14="http://schemas.microsoft.com/office/drawing/2010/main" xmlns="" w="9525">
+                  <a14:hiddenLine xmlns="" xmlns:a14="http://schemas.microsoft.com/office/drawing/2010/main" w="9525">
                     <a:solidFill>
                       <a:srgbClr val="000000"/>
                     </a:solidFill>
@@ -9856,7 +9861,7 @@
               </a:ln>
               <a:extLst>
                 <a:ext uri="{91240B29-F687-4f45-9708-019B960494DF}">
-                  <a14:hiddenLine xmlns:a14="http://schemas.microsoft.com/office/drawing/2010/main" xmlns="" w="9525">
+                  <a14:hiddenLine xmlns="" xmlns:a14="http://schemas.microsoft.com/office/drawing/2010/main" w="9525">
                     <a:solidFill>
                       <a:srgbClr val="000000"/>
                     </a:solidFill>
@@ -9918,7 +9923,7 @@
               </a:ln>
               <a:extLst>
                 <a:ext uri="{91240B29-F687-4f45-9708-019B960494DF}">
-                  <a14:hiddenLine xmlns:a14="http://schemas.microsoft.com/office/drawing/2010/main" xmlns="" w="9525">
+                  <a14:hiddenLine xmlns="" xmlns:a14="http://schemas.microsoft.com/office/drawing/2010/main" w="9525">
                     <a:solidFill>
                       <a:srgbClr val="000000"/>
                     </a:solidFill>
@@ -9980,7 +9985,7 @@
               </a:ln>
               <a:extLst>
                 <a:ext uri="{91240B29-F687-4f45-9708-019B960494DF}">
-                  <a14:hiddenLine xmlns:a14="http://schemas.microsoft.com/office/drawing/2010/main" xmlns="" w="9525">
+                  <a14:hiddenLine xmlns="" xmlns:a14="http://schemas.microsoft.com/office/drawing/2010/main" w="9525">
                     <a:solidFill>
                       <a:srgbClr val="000000"/>
                     </a:solidFill>
@@ -10070,7 +10075,7 @@
               </a:ln>
               <a:extLst>
                 <a:ext uri="{91240B29-F687-4f45-9708-019B960494DF}">
-                  <a14:hiddenLine xmlns:a14="http://schemas.microsoft.com/office/drawing/2010/main" xmlns="" w="9525">
+                  <a14:hiddenLine xmlns="" xmlns:a14="http://schemas.microsoft.com/office/drawing/2010/main" w="9525">
                     <a:solidFill>
                       <a:srgbClr val="000000"/>
                     </a:solidFill>
@@ -10104,7 +10109,7 @@
               </a:ln>
               <a:extLst>
                 <a:ext uri="{91240B29-F687-4f45-9708-019B960494DF}">
-                  <a14:hiddenLine xmlns:a14="http://schemas.microsoft.com/office/drawing/2010/main" xmlns="" w="9525">
+                  <a14:hiddenLine xmlns="" xmlns:a14="http://schemas.microsoft.com/office/drawing/2010/main" w="9525">
                     <a:solidFill>
                       <a:srgbClr val="000000"/>
                     </a:solidFill>
@@ -10169,7 +10174,7 @@
               </a:ln>
               <a:extLst>
                 <a:ext uri="{91240B29-F687-4f45-9708-019B960494DF}">
-                  <a14:hiddenLine xmlns:a14="http://schemas.microsoft.com/office/drawing/2010/main" xmlns="" w="9525">
+                  <a14:hiddenLine xmlns="" xmlns:a14="http://schemas.microsoft.com/office/drawing/2010/main" w="9525">
                     <a:solidFill>
                       <a:srgbClr val="000000"/>
                     </a:solidFill>
@@ -10259,7 +10264,7 @@
               </a:ln>
               <a:extLst>
                 <a:ext uri="{91240B29-F687-4f45-9708-019B960494DF}">
-                  <a14:hiddenLine xmlns:a14="http://schemas.microsoft.com/office/drawing/2010/main" xmlns="" w="9525">
+                  <a14:hiddenLine xmlns="" xmlns:a14="http://schemas.microsoft.com/office/drawing/2010/main" w="9525">
                     <a:solidFill>
                       <a:srgbClr val="000000"/>
                     </a:solidFill>
@@ -10321,7 +10326,7 @@
               </a:ln>
               <a:extLst>
                 <a:ext uri="{91240B29-F687-4f45-9708-019B960494DF}">
-                  <a14:hiddenLine xmlns:a14="http://schemas.microsoft.com/office/drawing/2010/main" xmlns="" w="9525">
+                  <a14:hiddenLine xmlns="" xmlns:a14="http://schemas.microsoft.com/office/drawing/2010/main" w="9525">
                     <a:solidFill>
                       <a:srgbClr val="000000"/>
                     </a:solidFill>
@@ -10411,7 +10416,7 @@
               </a:ln>
               <a:extLst>
                 <a:ext uri="{91240B29-F687-4f45-9708-019B960494DF}">
-                  <a14:hiddenLine xmlns:a14="http://schemas.microsoft.com/office/drawing/2010/main" xmlns="" w="9525">
+                  <a14:hiddenLine xmlns="" xmlns:a14="http://schemas.microsoft.com/office/drawing/2010/main" w="9525">
                     <a:solidFill>
                       <a:srgbClr val="000000"/>
                     </a:solidFill>
@@ -10476,7 +10481,7 @@
               </a:ln>
               <a:extLst>
                 <a:ext uri="{91240B29-F687-4f45-9708-019B960494DF}">
-                  <a14:hiddenLine xmlns:a14="http://schemas.microsoft.com/office/drawing/2010/main" xmlns="" w="9525">
+                  <a14:hiddenLine xmlns="" xmlns:a14="http://schemas.microsoft.com/office/drawing/2010/main" w="9525">
                     <a:solidFill>
                       <a:srgbClr val="000000"/>
                     </a:solidFill>
@@ -10538,7 +10543,7 @@
               </a:ln>
               <a:extLst>
                 <a:ext uri="{91240B29-F687-4f45-9708-019B960494DF}">
-                  <a14:hiddenLine xmlns:a14="http://schemas.microsoft.com/office/drawing/2010/main" xmlns="" w="9525">
+                  <a14:hiddenLine xmlns="" xmlns:a14="http://schemas.microsoft.com/office/drawing/2010/main" w="9525">
                     <a:solidFill>
                       <a:srgbClr val="000000"/>
                     </a:solidFill>
@@ -10628,7 +10633,7 @@
               </a:ln>
               <a:extLst>
                 <a:ext uri="{91240B29-F687-4f45-9708-019B960494DF}">
-                  <a14:hiddenLine xmlns:a14="http://schemas.microsoft.com/office/drawing/2010/main" xmlns="" w="9525">
+                  <a14:hiddenLine xmlns="" xmlns:a14="http://schemas.microsoft.com/office/drawing/2010/main" w="9525">
                     <a:solidFill>
                       <a:srgbClr val="000000"/>
                     </a:solidFill>
@@ -10718,7 +10723,7 @@
               </a:ln>
               <a:extLst>
                 <a:ext uri="{91240B29-F687-4f45-9708-019B960494DF}">
-                  <a14:hiddenLine xmlns:a14="http://schemas.microsoft.com/office/drawing/2010/main" xmlns="" w="9525">
+                  <a14:hiddenLine xmlns="" xmlns:a14="http://schemas.microsoft.com/office/drawing/2010/main" w="9525">
                     <a:solidFill>
                       <a:srgbClr val="000000"/>
                     </a:solidFill>
@@ -10783,7 +10788,7 @@
               </a:ln>
               <a:extLst>
                 <a:ext uri="{91240B29-F687-4f45-9708-019B960494DF}">
-                  <a14:hiddenLine xmlns:a14="http://schemas.microsoft.com/office/drawing/2010/main" xmlns="" w="9525">
+                  <a14:hiddenLine xmlns="" xmlns:a14="http://schemas.microsoft.com/office/drawing/2010/main" w="9525">
                     <a:solidFill>
                       <a:srgbClr val="000000"/>
                     </a:solidFill>
@@ -10903,7 +10908,7 @@
               </a:ln>
               <a:extLst>
                 <a:ext uri="{91240B29-F687-4f45-9708-019B960494DF}">
-                  <a14:hiddenLine xmlns:a14="http://schemas.microsoft.com/office/drawing/2010/main" xmlns="" w="9525">
+                  <a14:hiddenLine xmlns="" xmlns:a14="http://schemas.microsoft.com/office/drawing/2010/main" w="9525">
                     <a:solidFill>
                       <a:srgbClr val="000000"/>
                     </a:solidFill>
@@ -11001,7 +11006,7 @@
               </a:ln>
               <a:extLst>
                 <a:ext uri="{91240B29-F687-4f45-9708-019B960494DF}">
-                  <a14:hiddenLine xmlns:a14="http://schemas.microsoft.com/office/drawing/2010/main" xmlns="" w="9525">
+                  <a14:hiddenLine xmlns="" xmlns:a14="http://schemas.microsoft.com/office/drawing/2010/main" w="9525">
                     <a:solidFill>
                       <a:srgbClr val="000000"/>
                     </a:solidFill>
@@ -11116,7 +11121,7 @@
               </a:ln>
               <a:extLst>
                 <a:ext uri="{91240B29-F687-4f45-9708-019B960494DF}">
-                  <a14:hiddenLine xmlns:a14="http://schemas.microsoft.com/office/drawing/2010/main" xmlns="" w="9525">
+                  <a14:hiddenLine xmlns="" xmlns:a14="http://schemas.microsoft.com/office/drawing/2010/main" w="9525">
                     <a:solidFill>
                       <a:srgbClr val="000000"/>
                     </a:solidFill>
@@ -11206,7 +11211,7 @@
               </a:ln>
               <a:extLst>
                 <a:ext uri="{91240B29-F687-4f45-9708-019B960494DF}">
-                  <a14:hiddenLine xmlns:a14="http://schemas.microsoft.com/office/drawing/2010/main" xmlns="" w="9525">
+                  <a14:hiddenLine xmlns="" xmlns:a14="http://schemas.microsoft.com/office/drawing/2010/main" w="9525">
                     <a:solidFill>
                       <a:srgbClr val="000000"/>
                     </a:solidFill>
@@ -11271,7 +11276,7 @@
               </a:ln>
               <a:extLst>
                 <a:ext uri="{91240B29-F687-4f45-9708-019B960494DF}">
-                  <a14:hiddenLine xmlns:a14="http://schemas.microsoft.com/office/drawing/2010/main" xmlns="" w="9525">
+                  <a14:hiddenLine xmlns="" xmlns:a14="http://schemas.microsoft.com/office/drawing/2010/main" w="9525">
                     <a:solidFill>
                       <a:srgbClr val="000000"/>
                     </a:solidFill>
@@ -11361,7 +11366,7 @@
               </a:ln>
               <a:extLst>
                 <a:ext uri="{91240B29-F687-4f45-9708-019B960494DF}">
-                  <a14:hiddenLine xmlns:a14="http://schemas.microsoft.com/office/drawing/2010/main" xmlns="" w="9525">
+                  <a14:hiddenLine xmlns="" xmlns:a14="http://schemas.microsoft.com/office/drawing/2010/main" w="9525">
                     <a:solidFill>
                       <a:srgbClr val="000000"/>
                     </a:solidFill>
@@ -11429,7 +11434,7 @@
               </a:ln>
               <a:extLst>
                 <a:ext uri="{91240B29-F687-4f45-9708-019B960494DF}">
-                  <a14:hiddenLine xmlns:a14="http://schemas.microsoft.com/office/drawing/2010/main" xmlns="" w="9525">
+                  <a14:hiddenLine xmlns="" xmlns:a14="http://schemas.microsoft.com/office/drawing/2010/main" w="9525">
                     <a:solidFill>
                       <a:srgbClr val="000000"/>
                     </a:solidFill>
@@ -11519,7 +11524,7 @@
               </a:ln>
               <a:extLst>
                 <a:ext uri="{91240B29-F687-4f45-9708-019B960494DF}">
-                  <a14:hiddenLine xmlns:a14="http://schemas.microsoft.com/office/drawing/2010/main" xmlns="" w="9525">
+                  <a14:hiddenLine xmlns="" xmlns:a14="http://schemas.microsoft.com/office/drawing/2010/main" w="9525">
                     <a:solidFill>
                       <a:srgbClr val="000000"/>
                     </a:solidFill>
@@ -11587,7 +11592,7 @@
               </a:ln>
               <a:extLst>
                 <a:ext uri="{91240B29-F687-4f45-9708-019B960494DF}">
-                  <a14:hiddenLine xmlns:a14="http://schemas.microsoft.com/office/drawing/2010/main" xmlns="" w="9525">
+                  <a14:hiddenLine xmlns="" xmlns:a14="http://schemas.microsoft.com/office/drawing/2010/main" w="9525">
                     <a:solidFill>
                       <a:srgbClr val="000000"/>
                     </a:solidFill>
@@ -11677,7 +11682,7 @@
               </a:ln>
               <a:extLst>
                 <a:ext uri="{91240B29-F687-4f45-9708-019B960494DF}">
-                  <a14:hiddenLine xmlns:a14="http://schemas.microsoft.com/office/drawing/2010/main" xmlns="" w="9525">
+                  <a14:hiddenLine xmlns="" xmlns:a14="http://schemas.microsoft.com/office/drawing/2010/main" w="9525">
                     <a:solidFill>
                       <a:srgbClr val="000000"/>
                     </a:solidFill>
@@ -11711,7 +11716,7 @@
               </a:ln>
               <a:extLst>
                 <a:ext uri="{91240B29-F687-4f45-9708-019B960494DF}">
-                  <a14:hiddenLine xmlns:a14="http://schemas.microsoft.com/office/drawing/2010/main" xmlns="" w="9525">
+                  <a14:hiddenLine xmlns="" xmlns:a14="http://schemas.microsoft.com/office/drawing/2010/main" w="9525">
                     <a:solidFill>
                       <a:srgbClr val="000000"/>
                     </a:solidFill>
@@ -11828,7 +11833,7 @@
             <a:fld id="{48A87A34-81AB-432B-8DAE-1953F412C126}" type="datetimeFigureOut">
               <a:rPr lang="en-US" dirty="0"/>
               <a:pPr/>
-              <a:t>1/6/19</a:t>
+              <a:t>1/7/19</a:t>
             </a:fld>
             <a:endParaRPr lang="en-US" dirty="0"/>
           </a:p>
@@ -12298,7 +12303,7 @@
           <a:bodyPr/>
           <a:lstStyle/>
           <a:p>
-            <a:endParaRPr lang="es-ES"/>
+            <a:endParaRPr lang="es-ES" dirty="0"/>
           </a:p>
         </p:txBody>
       </p:sp>
@@ -12465,7 +12470,7 @@
           <a:noFill/>
           <a:extLst>
             <a:ext uri="{909E8E84-426E-40dd-AFC4-6F175D3DCCD1}">
-              <a14:hiddenFill xmlns="" xmlns:a16="http://schemas.microsoft.com/office/drawing/2014/main" xmlns:p14="http://schemas.microsoft.com/office/powerpoint/2010/main" xmlns:a14="http://schemas.microsoft.com/office/drawing/2010/main">
+              <a14:hiddenFill xmlns:a14="http://schemas.microsoft.com/office/drawing/2010/main" xmlns:p14="http://schemas.microsoft.com/office/powerpoint/2010/main" xmlns:a16="http://schemas.microsoft.com/office/drawing/2014/main" xmlns="">
                 <a:solidFill>
                   <a:srgbClr val="FFFFFF"/>
                 </a:solidFill>
@@ -12686,7 +12691,7 @@
             </a:ln>
             <a:extLst>
               <a:ext uri="{91240B29-F687-4f45-9708-019B960494DF}">
-                <a14:hiddenLine xmlns="" xmlns:a16="http://schemas.microsoft.com/office/drawing/2014/main" xmlns:p14="http://schemas.microsoft.com/office/powerpoint/2010/main" xmlns:a14="http://schemas.microsoft.com/office/drawing/2010/main" w="9525">
+                <a14:hiddenLine xmlns:a14="http://schemas.microsoft.com/office/drawing/2010/main" xmlns:p14="http://schemas.microsoft.com/office/powerpoint/2010/main" xmlns:a16="http://schemas.microsoft.com/office/drawing/2014/main" xmlns="" w="9525">
                   <a:solidFill>
                     <a:srgbClr val="000000"/>
                   </a:solidFill>
@@ -12791,7 +12796,7 @@
             </a:ln>
             <a:extLst>
               <a:ext uri="{91240B29-F687-4f45-9708-019B960494DF}">
-                <a14:hiddenLine xmlns="" xmlns:a16="http://schemas.microsoft.com/office/drawing/2014/main" xmlns:p14="http://schemas.microsoft.com/office/powerpoint/2010/main" xmlns:a14="http://schemas.microsoft.com/office/drawing/2010/main" w="9525">
+                <a14:hiddenLine xmlns:a14="http://schemas.microsoft.com/office/drawing/2010/main" xmlns:p14="http://schemas.microsoft.com/office/powerpoint/2010/main" xmlns:a16="http://schemas.microsoft.com/office/drawing/2014/main" xmlns="" w="9525">
                   <a:solidFill>
                     <a:srgbClr val="000000"/>
                   </a:solidFill>
@@ -12896,7 +12901,7 @@
             </a:ln>
             <a:extLst>
               <a:ext uri="{91240B29-F687-4f45-9708-019B960494DF}">
-                <a14:hiddenLine xmlns="" xmlns:a16="http://schemas.microsoft.com/office/drawing/2014/main" xmlns:p14="http://schemas.microsoft.com/office/powerpoint/2010/main" xmlns:a14="http://schemas.microsoft.com/office/drawing/2010/main" w="9525">
+                <a14:hiddenLine xmlns:a14="http://schemas.microsoft.com/office/drawing/2010/main" xmlns:p14="http://schemas.microsoft.com/office/powerpoint/2010/main" xmlns:a16="http://schemas.microsoft.com/office/drawing/2014/main" xmlns="" w="9525">
                   <a:solidFill>
                     <a:srgbClr val="000000"/>
                   </a:solidFill>
@@ -12973,7 +12978,7 @@
             </a:ln>
             <a:extLst>
               <a:ext uri="{91240B29-F687-4f45-9708-019B960494DF}">
-                <a14:hiddenLine xmlns="" xmlns:a16="http://schemas.microsoft.com/office/drawing/2014/main" xmlns:p14="http://schemas.microsoft.com/office/powerpoint/2010/main" xmlns:a14="http://schemas.microsoft.com/office/drawing/2010/main" w="9525">
+                <a14:hiddenLine xmlns:a14="http://schemas.microsoft.com/office/drawing/2010/main" xmlns:p14="http://schemas.microsoft.com/office/powerpoint/2010/main" xmlns:a16="http://schemas.microsoft.com/office/drawing/2014/main" xmlns="" w="9525">
                   <a:solidFill>
                     <a:srgbClr val="000000"/>
                   </a:solidFill>
@@ -13078,7 +13083,7 @@
             </a:ln>
             <a:extLst>
               <a:ext uri="{91240B29-F687-4f45-9708-019B960494DF}">
-                <a14:hiddenLine xmlns="" xmlns:a16="http://schemas.microsoft.com/office/drawing/2014/main" xmlns:p14="http://schemas.microsoft.com/office/powerpoint/2010/main" xmlns:a14="http://schemas.microsoft.com/office/drawing/2010/main" w="9525">
+                <a14:hiddenLine xmlns:a14="http://schemas.microsoft.com/office/drawing/2010/main" xmlns:p14="http://schemas.microsoft.com/office/powerpoint/2010/main" xmlns:a16="http://schemas.microsoft.com/office/drawing/2014/main" xmlns="" w="9525">
                   <a:solidFill>
                     <a:srgbClr val="000000"/>
                   </a:solidFill>
@@ -13155,7 +13160,7 @@
             </a:ln>
             <a:extLst>
               <a:ext uri="{91240B29-F687-4f45-9708-019B960494DF}">
-                <a14:hiddenLine xmlns="" xmlns:a16="http://schemas.microsoft.com/office/drawing/2014/main" xmlns:p14="http://schemas.microsoft.com/office/powerpoint/2010/main" xmlns:a14="http://schemas.microsoft.com/office/drawing/2010/main" w="9525">
+                <a14:hiddenLine xmlns:a14="http://schemas.microsoft.com/office/drawing/2010/main" xmlns:p14="http://schemas.microsoft.com/office/powerpoint/2010/main" xmlns:a16="http://schemas.microsoft.com/office/drawing/2014/main" xmlns="" w="9525">
                   <a:solidFill>
                     <a:srgbClr val="000000"/>
                   </a:solidFill>
@@ -13232,7 +13237,7 @@
             </a:ln>
             <a:extLst>
               <a:ext uri="{91240B29-F687-4f45-9708-019B960494DF}">
-                <a14:hiddenLine xmlns="" xmlns:a16="http://schemas.microsoft.com/office/drawing/2014/main" xmlns:p14="http://schemas.microsoft.com/office/powerpoint/2010/main" xmlns:a14="http://schemas.microsoft.com/office/drawing/2010/main" w="9525">
+                <a14:hiddenLine xmlns:a14="http://schemas.microsoft.com/office/drawing/2010/main" xmlns:p14="http://schemas.microsoft.com/office/powerpoint/2010/main" xmlns:a16="http://schemas.microsoft.com/office/drawing/2014/main" xmlns="" w="9525">
                   <a:solidFill>
                     <a:srgbClr val="000000"/>
                   </a:solidFill>
@@ -13337,7 +13342,7 @@
             </a:ln>
             <a:extLst>
               <a:ext uri="{91240B29-F687-4f45-9708-019B960494DF}">
-                <a14:hiddenLine xmlns="" xmlns:a16="http://schemas.microsoft.com/office/drawing/2014/main" xmlns:p14="http://schemas.microsoft.com/office/powerpoint/2010/main" xmlns:a14="http://schemas.microsoft.com/office/drawing/2010/main" w="9525">
+                <a14:hiddenLine xmlns:a14="http://schemas.microsoft.com/office/drawing/2010/main" xmlns:p14="http://schemas.microsoft.com/office/powerpoint/2010/main" xmlns:a16="http://schemas.microsoft.com/office/drawing/2014/main" xmlns="" w="9525">
                   <a:solidFill>
                     <a:srgbClr val="000000"/>
                   </a:solidFill>
@@ -13442,7 +13447,7 @@
             </a:ln>
             <a:extLst>
               <a:ext uri="{91240B29-F687-4f45-9708-019B960494DF}">
-                <a14:hiddenLine xmlns="" xmlns:a16="http://schemas.microsoft.com/office/drawing/2014/main" xmlns:p14="http://schemas.microsoft.com/office/powerpoint/2010/main" xmlns:a14="http://schemas.microsoft.com/office/drawing/2010/main" w="9525">
+                <a14:hiddenLine xmlns:a14="http://schemas.microsoft.com/office/drawing/2010/main" xmlns:p14="http://schemas.microsoft.com/office/powerpoint/2010/main" xmlns:a16="http://schemas.microsoft.com/office/drawing/2014/main" xmlns="" w="9525">
                   <a:solidFill>
                     <a:srgbClr val="000000"/>
                   </a:solidFill>
@@ -13519,7 +13524,7 @@
             </a:ln>
             <a:extLst>
               <a:ext uri="{91240B29-F687-4f45-9708-019B960494DF}">
-                <a14:hiddenLine xmlns="" xmlns:a16="http://schemas.microsoft.com/office/drawing/2014/main" xmlns:p14="http://schemas.microsoft.com/office/powerpoint/2010/main" xmlns:a14="http://schemas.microsoft.com/office/drawing/2010/main" w="9525">
+                <a14:hiddenLine xmlns:a14="http://schemas.microsoft.com/office/drawing/2010/main" xmlns:p14="http://schemas.microsoft.com/office/powerpoint/2010/main" xmlns:a16="http://schemas.microsoft.com/office/drawing/2014/main" xmlns="" w="9525">
                   <a:solidFill>
                     <a:srgbClr val="000000"/>
                   </a:solidFill>
@@ -13644,7 +13649,7 @@
             </a:ln>
             <a:extLst>
               <a:ext uri="{91240B29-F687-4f45-9708-019B960494DF}">
-                <a14:hiddenLine xmlns="" xmlns:a16="http://schemas.microsoft.com/office/drawing/2014/main" xmlns:p14="http://schemas.microsoft.com/office/powerpoint/2010/main" xmlns:a14="http://schemas.microsoft.com/office/drawing/2010/main" w="9525">
+                <a14:hiddenLine xmlns:a14="http://schemas.microsoft.com/office/drawing/2010/main" xmlns:p14="http://schemas.microsoft.com/office/powerpoint/2010/main" xmlns:a16="http://schemas.microsoft.com/office/drawing/2014/main" xmlns="" w="9525">
                   <a:solidFill>
                     <a:srgbClr val="000000"/>
                   </a:solidFill>
@@ -13758,7 +13763,7 @@
             </a:ln>
             <a:extLst>
               <a:ext uri="{91240B29-F687-4f45-9708-019B960494DF}">
-                <a14:hiddenLine xmlns="" xmlns:a16="http://schemas.microsoft.com/office/drawing/2014/main" xmlns:p14="http://schemas.microsoft.com/office/powerpoint/2010/main" xmlns:a14="http://schemas.microsoft.com/office/drawing/2010/main" w="9525">
+                <a14:hiddenLine xmlns:a14="http://schemas.microsoft.com/office/drawing/2010/main" xmlns:p14="http://schemas.microsoft.com/office/powerpoint/2010/main" xmlns:a16="http://schemas.microsoft.com/office/drawing/2014/main" xmlns="" w="9525">
                   <a:solidFill>
                     <a:srgbClr val="000000"/>
                   </a:solidFill>
@@ -13835,7 +13840,7 @@
             </a:ln>
             <a:extLst>
               <a:ext uri="{91240B29-F687-4f45-9708-019B960494DF}">
-                <a14:hiddenLine xmlns="" xmlns:a16="http://schemas.microsoft.com/office/drawing/2014/main" xmlns:p14="http://schemas.microsoft.com/office/powerpoint/2010/main" xmlns:a14="http://schemas.microsoft.com/office/drawing/2010/main" w="9525">
+                <a14:hiddenLine xmlns:a14="http://schemas.microsoft.com/office/drawing/2010/main" xmlns:p14="http://schemas.microsoft.com/office/powerpoint/2010/main" xmlns:a16="http://schemas.microsoft.com/office/drawing/2014/main" xmlns="" w="9525">
                   <a:solidFill>
                     <a:srgbClr val="000000"/>
                   </a:solidFill>
@@ -13912,7 +13917,7 @@
             </a:ln>
             <a:extLst>
               <a:ext uri="{91240B29-F687-4f45-9708-019B960494DF}">
-                <a14:hiddenLine xmlns="" xmlns:a16="http://schemas.microsoft.com/office/drawing/2014/main" xmlns:p14="http://schemas.microsoft.com/office/powerpoint/2010/main" xmlns:a14="http://schemas.microsoft.com/office/drawing/2010/main" w="9525">
+                <a14:hiddenLine xmlns:a14="http://schemas.microsoft.com/office/drawing/2010/main" xmlns:p14="http://schemas.microsoft.com/office/powerpoint/2010/main" xmlns:a16="http://schemas.microsoft.com/office/drawing/2014/main" xmlns="" w="9525">
                   <a:solidFill>
                     <a:srgbClr val="000000"/>
                   </a:solidFill>
@@ -14017,7 +14022,7 @@
             </a:ln>
             <a:extLst>
               <a:ext uri="{91240B29-F687-4f45-9708-019B960494DF}">
-                <a14:hiddenLine xmlns="" xmlns:a16="http://schemas.microsoft.com/office/drawing/2014/main" xmlns:p14="http://schemas.microsoft.com/office/powerpoint/2010/main" xmlns:a14="http://schemas.microsoft.com/office/drawing/2010/main" w="9525">
+                <a14:hiddenLine xmlns:a14="http://schemas.microsoft.com/office/drawing/2010/main" xmlns:p14="http://schemas.microsoft.com/office/powerpoint/2010/main" xmlns:a16="http://schemas.microsoft.com/office/drawing/2014/main" xmlns="" w="9525">
                   <a:solidFill>
                     <a:srgbClr val="000000"/>
                   </a:solidFill>
@@ -14066,7 +14071,7 @@
             </a:ln>
             <a:extLst>
               <a:ext uri="{91240B29-F687-4f45-9708-019B960494DF}">
-                <a14:hiddenLine xmlns="" xmlns:a16="http://schemas.microsoft.com/office/drawing/2014/main" xmlns:p14="http://schemas.microsoft.com/office/powerpoint/2010/main" xmlns:a14="http://schemas.microsoft.com/office/drawing/2010/main" w="9525">
+                <a14:hiddenLine xmlns:a14="http://schemas.microsoft.com/office/drawing/2010/main" xmlns:p14="http://schemas.microsoft.com/office/powerpoint/2010/main" xmlns:a16="http://schemas.microsoft.com/office/drawing/2014/main" xmlns="" w="9525">
                   <a:solidFill>
                     <a:srgbClr val="000000"/>
                   </a:solidFill>
@@ -14146,7 +14151,7 @@
             </a:ln>
             <a:extLst>
               <a:ext uri="{91240B29-F687-4f45-9708-019B960494DF}">
-                <a14:hiddenLine xmlns="" xmlns:a16="http://schemas.microsoft.com/office/drawing/2014/main" xmlns:p14="http://schemas.microsoft.com/office/powerpoint/2010/main" xmlns:a14="http://schemas.microsoft.com/office/drawing/2010/main" w="9525">
+                <a14:hiddenLine xmlns:a14="http://schemas.microsoft.com/office/drawing/2010/main" xmlns:p14="http://schemas.microsoft.com/office/powerpoint/2010/main" xmlns:a16="http://schemas.microsoft.com/office/drawing/2014/main" xmlns="" w="9525">
                   <a:solidFill>
                     <a:srgbClr val="000000"/>
                   </a:solidFill>
@@ -14251,7 +14256,7 @@
             </a:ln>
             <a:extLst>
               <a:ext uri="{91240B29-F687-4f45-9708-019B960494DF}">
-                <a14:hiddenLine xmlns="" xmlns:a16="http://schemas.microsoft.com/office/drawing/2014/main" xmlns:p14="http://schemas.microsoft.com/office/powerpoint/2010/main" xmlns:a14="http://schemas.microsoft.com/office/drawing/2010/main" w="9525">
+                <a14:hiddenLine xmlns:a14="http://schemas.microsoft.com/office/drawing/2010/main" xmlns:p14="http://schemas.microsoft.com/office/powerpoint/2010/main" xmlns:a16="http://schemas.microsoft.com/office/drawing/2014/main" xmlns="" w="9525">
                   <a:solidFill>
                     <a:srgbClr val="000000"/>
                   </a:solidFill>
@@ -14328,7 +14333,7 @@
             </a:ln>
             <a:extLst>
               <a:ext uri="{91240B29-F687-4f45-9708-019B960494DF}">
-                <a14:hiddenLine xmlns="" xmlns:a16="http://schemas.microsoft.com/office/drawing/2014/main" xmlns:p14="http://schemas.microsoft.com/office/powerpoint/2010/main" xmlns:a14="http://schemas.microsoft.com/office/drawing/2010/main" w="9525">
+                <a14:hiddenLine xmlns:a14="http://schemas.microsoft.com/office/drawing/2010/main" xmlns:p14="http://schemas.microsoft.com/office/powerpoint/2010/main" xmlns:a16="http://schemas.microsoft.com/office/drawing/2014/main" xmlns="" w="9525">
                   <a:solidFill>
                     <a:srgbClr val="000000"/>
                   </a:solidFill>
@@ -14433,7 +14438,7 @@
             </a:ln>
             <a:extLst>
               <a:ext uri="{91240B29-F687-4f45-9708-019B960494DF}">
-                <a14:hiddenLine xmlns="" xmlns:a16="http://schemas.microsoft.com/office/drawing/2014/main" xmlns:p14="http://schemas.microsoft.com/office/powerpoint/2010/main" xmlns:a14="http://schemas.microsoft.com/office/drawing/2010/main" w="9525">
+                <a14:hiddenLine xmlns:a14="http://schemas.microsoft.com/office/drawing/2010/main" xmlns:p14="http://schemas.microsoft.com/office/powerpoint/2010/main" xmlns:a16="http://schemas.microsoft.com/office/drawing/2014/main" xmlns="" w="9525">
                   <a:solidFill>
                     <a:srgbClr val="000000"/>
                   </a:solidFill>
@@ -14513,7 +14518,7 @@
             </a:ln>
             <a:extLst>
               <a:ext uri="{91240B29-F687-4f45-9708-019B960494DF}">
-                <a14:hiddenLine xmlns="" xmlns:a16="http://schemas.microsoft.com/office/drawing/2014/main" xmlns:p14="http://schemas.microsoft.com/office/powerpoint/2010/main" xmlns:a14="http://schemas.microsoft.com/office/drawing/2010/main" w="9525">
+                <a14:hiddenLine xmlns:a14="http://schemas.microsoft.com/office/drawing/2010/main" xmlns:p14="http://schemas.microsoft.com/office/powerpoint/2010/main" xmlns:a16="http://schemas.microsoft.com/office/drawing/2014/main" xmlns="" w="9525">
                   <a:solidFill>
                     <a:srgbClr val="000000"/>
                   </a:solidFill>
@@ -14590,7 +14595,7 @@
             </a:ln>
             <a:extLst>
               <a:ext uri="{91240B29-F687-4f45-9708-019B960494DF}">
-                <a14:hiddenLine xmlns="" xmlns:a16="http://schemas.microsoft.com/office/drawing/2014/main" xmlns:p14="http://schemas.microsoft.com/office/powerpoint/2010/main" xmlns:a14="http://schemas.microsoft.com/office/drawing/2010/main" w="9525">
+                <a14:hiddenLine xmlns:a14="http://schemas.microsoft.com/office/drawing/2010/main" xmlns:p14="http://schemas.microsoft.com/office/powerpoint/2010/main" xmlns:a16="http://schemas.microsoft.com/office/drawing/2014/main" xmlns="" w="9525">
                   <a:solidFill>
                     <a:srgbClr val="000000"/>
                   </a:solidFill>
@@ -14695,7 +14700,7 @@
             </a:ln>
             <a:extLst>
               <a:ext uri="{91240B29-F687-4f45-9708-019B960494DF}">
-                <a14:hiddenLine xmlns="" xmlns:a16="http://schemas.microsoft.com/office/drawing/2014/main" xmlns:p14="http://schemas.microsoft.com/office/powerpoint/2010/main" xmlns:a14="http://schemas.microsoft.com/office/drawing/2010/main" w="9525">
+                <a14:hiddenLine xmlns:a14="http://schemas.microsoft.com/office/drawing/2010/main" xmlns:p14="http://schemas.microsoft.com/office/powerpoint/2010/main" xmlns:a16="http://schemas.microsoft.com/office/drawing/2014/main" xmlns="" w="9525">
                   <a:solidFill>
                     <a:srgbClr val="000000"/>
                   </a:solidFill>
@@ -14800,7 +14805,7 @@
             </a:ln>
             <a:extLst>
               <a:ext uri="{91240B29-F687-4f45-9708-019B960494DF}">
-                <a14:hiddenLine xmlns="" xmlns:a16="http://schemas.microsoft.com/office/drawing/2014/main" xmlns:p14="http://schemas.microsoft.com/office/powerpoint/2010/main" xmlns:a14="http://schemas.microsoft.com/office/drawing/2010/main" w="9525">
+                <a14:hiddenLine xmlns:a14="http://schemas.microsoft.com/office/drawing/2010/main" xmlns:p14="http://schemas.microsoft.com/office/powerpoint/2010/main" xmlns:a16="http://schemas.microsoft.com/office/drawing/2014/main" xmlns="" w="9525">
                   <a:solidFill>
                     <a:srgbClr val="000000"/>
                   </a:solidFill>
@@ -14880,7 +14885,7 @@
             </a:ln>
             <a:extLst>
               <a:ext uri="{91240B29-F687-4f45-9708-019B960494DF}">
-                <a14:hiddenLine xmlns="" xmlns:a16="http://schemas.microsoft.com/office/drawing/2014/main" xmlns:p14="http://schemas.microsoft.com/office/powerpoint/2010/main" xmlns:a14="http://schemas.microsoft.com/office/drawing/2010/main" w="9525">
+                <a14:hiddenLine xmlns:a14="http://schemas.microsoft.com/office/drawing/2010/main" xmlns:p14="http://schemas.microsoft.com/office/powerpoint/2010/main" xmlns:a16="http://schemas.microsoft.com/office/drawing/2014/main" xmlns="" w="9525">
                   <a:solidFill>
                     <a:srgbClr val="000000"/>
                   </a:solidFill>
@@ -15015,7 +15020,7 @@
             </a:ln>
             <a:extLst>
               <a:ext uri="{91240B29-F687-4f45-9708-019B960494DF}">
-                <a14:hiddenLine xmlns="" xmlns:a16="http://schemas.microsoft.com/office/drawing/2014/main" xmlns:p14="http://schemas.microsoft.com/office/powerpoint/2010/main" xmlns:a14="http://schemas.microsoft.com/office/drawing/2010/main" w="9525">
+                <a14:hiddenLine xmlns:a14="http://schemas.microsoft.com/office/drawing/2010/main" xmlns:p14="http://schemas.microsoft.com/office/powerpoint/2010/main" xmlns:a16="http://schemas.microsoft.com/office/drawing/2014/main" xmlns="" w="9525">
                   <a:solidFill>
                     <a:srgbClr val="000000"/>
                   </a:solidFill>
@@ -15610,13 +15615,18 @@
           <a:p>
             <a:r>
               <a:rPr lang="es-ES" i="1" dirty="0"/>
-              <a:t>Veamos un ejemplo en código de como usarlo y como puede mejorar </a:t>
+              <a:t>Veamos un ejemplo en código de como usarlo y como puede mejorar nuestro código. (</a:t>
             </a:r>
             <a:r>
-              <a:rPr lang="es-ES" i="1"/>
-              <a:t>nuestro código.</a:t>
+              <a:rPr lang="es-ES" i="1" dirty="0">
+                <a:hlinkClick r:id="rId2"/>
+              </a:rPr>
+              <a:t>abrir código</a:t>
             </a:r>
-            <a:endParaRPr lang="es-ES" i="1" dirty="0"/>
+            <a:r>
+              <a:rPr lang="es-ES" i="1" dirty="0"/>
+              <a:t>)</a:t>
+            </a:r>
           </a:p>
         </p:txBody>
       </p:sp>
